--- a/Zomato_Res_analysis_Pred_Rating/FinalReport/Slides.pptx
+++ b/Zomato_Res_analysis_Pred_Rating/FinalReport/Slides.pptx
@@ -7824,7 +7824,13 @@
                 <a:ea typeface="Cambria"/>
                 <a:cs typeface="Cambria"/>
                 <a:sym typeface="Cambria"/>
-                <a:hlinkClick r:id="rId4"/>
+                <a:hlinkClick r:id="rId4">
+                  <a:extLst>
+                    <a:ext uri="{A12FA001-AC4F-418D-AE19-62706E023703}">
+                      <ahyp:hlinkClr val="tx"/>
+                    </a:ext>
+                  </a:extLst>
+                </a:hlinkClick>
               </a:rPr>
               <a:t>Detailed Report</a:t>
             </a:r>
@@ -9061,7 +9067,13 @@
                 <a:ea typeface="Cambria"/>
                 <a:cs typeface="Cambria"/>
                 <a:sym typeface="Cambria"/>
-                <a:hlinkClick r:id="rId4"/>
+                <a:hlinkClick r:id="rId4">
+                  <a:extLst>
+                    <a:ext uri="{A12FA001-AC4F-418D-AE19-62706E023703}">
+                      <ahyp:hlinkClr val="tx"/>
+                    </a:ext>
+                  </a:extLst>
+                </a:hlinkClick>
               </a:rPr>
               <a:t>https://www.zomato.com/bangalore</a:t>
             </a:r>
@@ -9086,7 +9098,13 @@
                 <a:ea typeface="Cambria"/>
                 <a:cs typeface="Cambria"/>
                 <a:sym typeface="Cambria"/>
-                <a:hlinkClick r:id="rId5"/>
+                <a:hlinkClick r:id="rId5">
+                  <a:extLst>
+                    <a:ext uri="{A12FA001-AC4F-418D-AE19-62706E023703}">
+                      <ahyp:hlinkClr val="tx"/>
+                    </a:ext>
+                  </a:extLst>
+                </a:hlinkClick>
               </a:rPr>
               <a:t>Web scraping</a:t>
             </a:r>
@@ -9151,7 +9169,13 @@
                 <a:ea typeface="Cambria"/>
                 <a:cs typeface="Cambria"/>
                 <a:sym typeface="Cambria"/>
-                <a:hlinkClick r:id="rId6"/>
+                <a:hlinkClick r:id="rId6">
+                  <a:extLst>
+                    <a:ext uri="{A12FA001-AC4F-418D-AE19-62706E023703}">
+                      <ahyp:hlinkClr val="tx"/>
+                    </a:ext>
+                  </a:extLst>
+                </a:hlinkClick>
               </a:rPr>
               <a:t>data csv</a:t>
             </a:r>
@@ -9365,7 +9389,13 @@
                 <a:ea typeface="Cambria"/>
                 <a:cs typeface="Cambria"/>
                 <a:sym typeface="Cambria"/>
-                <a:hlinkClick r:id="rId4"/>
+                <a:hlinkClick r:id="rId4">
+                  <a:extLst>
+                    <a:ext uri="{A12FA001-AC4F-418D-AE19-62706E023703}">
+                      <ahyp:hlinkClr val="tx"/>
+                    </a:ext>
+                  </a:extLst>
+                </a:hlinkClick>
               </a:rPr>
               <a:t>EDA link</a:t>
             </a:r>
@@ -10775,7 +10805,13 @@
                 <a:ea typeface="Cambria"/>
                 <a:cs typeface="Cambria"/>
                 <a:sym typeface="Cambria"/>
-                <a:hlinkClick r:id="rId4"/>
+                <a:hlinkClick r:id="rId4">
+                  <a:extLst>
+                    <a:ext uri="{A12FA001-AC4F-418D-AE19-62706E023703}">
+                      <ahyp:hlinkClr val="tx"/>
+                    </a:ext>
+                  </a:extLst>
+                </a:hlinkClick>
               </a:rPr>
               <a:t>link</a:t>
             </a:r>
@@ -11150,7 +11186,13 @@
                 <a:ea typeface="Cambria"/>
                 <a:cs typeface="Cambria"/>
                 <a:sym typeface="Cambria"/>
-                <a:hlinkClick r:id="rId4"/>
+                <a:hlinkClick r:id="rId4">
+                  <a:extLst>
+                    <a:ext uri="{A12FA001-AC4F-418D-AE19-62706E023703}">
+                      <ahyp:hlinkClr val="tx"/>
+                    </a:ext>
+                  </a:extLst>
+                </a:hlinkClick>
               </a:rPr>
               <a:t>link</a:t>
             </a:r>
@@ -11467,7 +11509,7 @@
             <a:tbl>
               <a:tblPr>
                 <a:noFill/>
-                <a:tableStyleId>{E79BA23A-01AD-4CB3-8B55-923BCE96A23F}</a:tableStyleId>
+                <a:tableStyleId>{74460169-08FB-4BB3-90A6-C9B3C1992356}</a:tableStyleId>
               </a:tblPr>
               <a:tblGrid>
                 <a:gridCol w="3619500"/>
